--- a/analyses/UpsetPlot/UpsetPlot_figs.pptx
+++ b/analyses/UpsetPlot/UpsetPlot_figs.pptx
@@ -2086,7 +2086,7 @@
           <a:p>
             <a:fld id="{6C50C29A-2F47-3D4C-AB69-341415D0A2AD}" type="datetimeFigureOut">
               <a:rPr lang="en-US" smtClean="0"/>
-              <a:t>6/30/20</a:t>
+              <a:t>7/3/20</a:t>
             </a:fld>
             <a:endParaRPr lang="en-US"/>
           </a:p>
@@ -2256,7 +2256,7 @@
           <a:p>
             <a:fld id="{6C50C29A-2F47-3D4C-AB69-341415D0A2AD}" type="datetimeFigureOut">
               <a:rPr lang="en-US" smtClean="0"/>
-              <a:t>6/30/20</a:t>
+              <a:t>7/3/20</a:t>
             </a:fld>
             <a:endParaRPr lang="en-US"/>
           </a:p>
@@ -2436,7 +2436,7 @@
           <a:p>
             <a:fld id="{6C50C29A-2F47-3D4C-AB69-341415D0A2AD}" type="datetimeFigureOut">
               <a:rPr lang="en-US" smtClean="0"/>
-              <a:t>6/30/20</a:t>
+              <a:t>7/3/20</a:t>
             </a:fld>
             <a:endParaRPr lang="en-US"/>
           </a:p>
@@ -2606,7 +2606,7 @@
           <a:p>
             <a:fld id="{6C50C29A-2F47-3D4C-AB69-341415D0A2AD}" type="datetimeFigureOut">
               <a:rPr lang="en-US" smtClean="0"/>
-              <a:t>6/30/20</a:t>
+              <a:t>7/3/20</a:t>
             </a:fld>
             <a:endParaRPr lang="en-US"/>
           </a:p>
@@ -2850,7 +2850,7 @@
           <a:p>
             <a:fld id="{6C50C29A-2F47-3D4C-AB69-341415D0A2AD}" type="datetimeFigureOut">
               <a:rPr lang="en-US" smtClean="0"/>
-              <a:t>6/30/20</a:t>
+              <a:t>7/3/20</a:t>
             </a:fld>
             <a:endParaRPr lang="en-US"/>
           </a:p>
@@ -3082,7 +3082,7 @@
           <a:p>
             <a:fld id="{6C50C29A-2F47-3D4C-AB69-341415D0A2AD}" type="datetimeFigureOut">
               <a:rPr lang="en-US" smtClean="0"/>
-              <a:t>6/30/20</a:t>
+              <a:t>7/3/20</a:t>
             </a:fld>
             <a:endParaRPr lang="en-US"/>
           </a:p>
@@ -3449,7 +3449,7 @@
           <a:p>
             <a:fld id="{6C50C29A-2F47-3D4C-AB69-341415D0A2AD}" type="datetimeFigureOut">
               <a:rPr lang="en-US" smtClean="0"/>
-              <a:t>6/30/20</a:t>
+              <a:t>7/3/20</a:t>
             </a:fld>
             <a:endParaRPr lang="en-US"/>
           </a:p>
@@ -3567,7 +3567,7 @@
           <a:p>
             <a:fld id="{6C50C29A-2F47-3D4C-AB69-341415D0A2AD}" type="datetimeFigureOut">
               <a:rPr lang="en-US" smtClean="0"/>
-              <a:t>6/30/20</a:t>
+              <a:t>7/3/20</a:t>
             </a:fld>
             <a:endParaRPr lang="en-US"/>
           </a:p>
@@ -3662,7 +3662,7 @@
           <a:p>
             <a:fld id="{6C50C29A-2F47-3D4C-AB69-341415D0A2AD}" type="datetimeFigureOut">
               <a:rPr lang="en-US" smtClean="0"/>
-              <a:t>6/30/20</a:t>
+              <a:t>7/3/20</a:t>
             </a:fld>
             <a:endParaRPr lang="en-US"/>
           </a:p>
@@ -3939,7 +3939,7 @@
           <a:p>
             <a:fld id="{6C50C29A-2F47-3D4C-AB69-341415D0A2AD}" type="datetimeFigureOut">
               <a:rPr lang="en-US" smtClean="0"/>
-              <a:t>6/30/20</a:t>
+              <a:t>7/3/20</a:t>
             </a:fld>
             <a:endParaRPr lang="en-US"/>
           </a:p>
@@ -4196,7 +4196,7 @@
           <a:p>
             <a:fld id="{6C50C29A-2F47-3D4C-AB69-341415D0A2AD}" type="datetimeFigureOut">
               <a:rPr lang="en-US" smtClean="0"/>
-              <a:t>6/30/20</a:t>
+              <a:t>7/3/20</a:t>
             </a:fld>
             <a:endParaRPr lang="en-US"/>
           </a:p>
@@ -4409,7 +4409,7 @@
           <a:p>
             <a:fld id="{6C50C29A-2F47-3D4C-AB69-341415D0A2AD}" type="datetimeFigureOut">
               <a:rPr lang="en-US" smtClean="0"/>
-              <a:t>6/30/20</a:t>
+              <a:t>7/3/20</a:t>
             </a:fld>
             <a:endParaRPr lang="en-US"/>
           </a:p>
@@ -17761,8 +17761,8 @@
           <p:nvPr/>
         </p:nvSpPr>
         <p:spPr>
-          <a:xfrm>
-            <a:off x="0" y="1725916"/>
+          <a:xfrm rot="16200000">
+            <a:off x="262249" y="1670959"/>
             <a:ext cx="936475" cy="276999"/>
           </a:xfrm>
           <a:prstGeom prst="rect">
@@ -17810,8 +17810,8 @@
           <p:nvPr/>
         </p:nvSpPr>
         <p:spPr>
-          <a:xfrm>
-            <a:off x="98600" y="5048541"/>
+          <a:xfrm rot="16200000">
+            <a:off x="359692" y="5003875"/>
             <a:ext cx="729110" cy="276999"/>
           </a:xfrm>
           <a:prstGeom prst="rect">
